--- a/98_plan/00_pptx/01_DMC.pptx
+++ b/98_plan/00_pptx/01_DMC.pptx
@@ -260,7 +260,7 @@
           <a:p>
             <a:fld id="{2EFDCDBA-9768-4505-87ED-3AA2E6654DD2}" type="datetimeFigureOut">
               <a:rPr kumimoji="1" lang="ja-JP" altLang="en-US" smtClean="0"/>
-              <a:t>2024/4/22</a:t>
+              <a:t>2024/4/26</a:t>
             </a:fld>
             <a:endParaRPr kumimoji="1" lang="ja-JP" altLang="en-US"/>
           </a:p>
@@ -490,7 +490,7 @@
           <a:p>
             <a:fld id="{2EFDCDBA-9768-4505-87ED-3AA2E6654DD2}" type="datetimeFigureOut">
               <a:rPr kumimoji="1" lang="ja-JP" altLang="en-US" smtClean="0"/>
-              <a:t>2024/4/22</a:t>
+              <a:t>2024/4/26</a:t>
             </a:fld>
             <a:endParaRPr kumimoji="1" lang="ja-JP" altLang="en-US"/>
           </a:p>
@@ -730,7 +730,7 @@
           <a:p>
             <a:fld id="{2EFDCDBA-9768-4505-87ED-3AA2E6654DD2}" type="datetimeFigureOut">
               <a:rPr kumimoji="1" lang="ja-JP" altLang="en-US" smtClean="0"/>
-              <a:t>2024/4/22</a:t>
+              <a:t>2024/4/26</a:t>
             </a:fld>
             <a:endParaRPr kumimoji="1" lang="ja-JP" altLang="en-US"/>
           </a:p>
@@ -960,7 +960,7 @@
           <a:p>
             <a:fld id="{2EFDCDBA-9768-4505-87ED-3AA2E6654DD2}" type="datetimeFigureOut">
               <a:rPr kumimoji="1" lang="ja-JP" altLang="en-US" smtClean="0"/>
-              <a:t>2024/4/22</a:t>
+              <a:t>2024/4/26</a:t>
             </a:fld>
             <a:endParaRPr kumimoji="1" lang="ja-JP" altLang="en-US"/>
           </a:p>
@@ -1235,7 +1235,7 @@
           <a:p>
             <a:fld id="{2EFDCDBA-9768-4505-87ED-3AA2E6654DD2}" type="datetimeFigureOut">
               <a:rPr kumimoji="1" lang="ja-JP" altLang="en-US" smtClean="0"/>
-              <a:t>2024/4/22</a:t>
+              <a:t>2024/4/26</a:t>
             </a:fld>
             <a:endParaRPr kumimoji="1" lang="ja-JP" altLang="en-US"/>
           </a:p>
@@ -1564,7 +1564,7 @@
           <a:p>
             <a:fld id="{2EFDCDBA-9768-4505-87ED-3AA2E6654DD2}" type="datetimeFigureOut">
               <a:rPr kumimoji="1" lang="ja-JP" altLang="en-US" smtClean="0"/>
-              <a:t>2024/4/22</a:t>
+              <a:t>2024/4/26</a:t>
             </a:fld>
             <a:endParaRPr kumimoji="1" lang="ja-JP" altLang="en-US"/>
           </a:p>
@@ -2040,7 +2040,7 @@
           <a:p>
             <a:fld id="{2EFDCDBA-9768-4505-87ED-3AA2E6654DD2}" type="datetimeFigureOut">
               <a:rPr kumimoji="1" lang="ja-JP" altLang="en-US" smtClean="0"/>
-              <a:t>2024/4/22</a:t>
+              <a:t>2024/4/26</a:t>
             </a:fld>
             <a:endParaRPr kumimoji="1" lang="ja-JP" altLang="en-US"/>
           </a:p>
@@ -2181,7 +2181,7 @@
           <a:p>
             <a:fld id="{2EFDCDBA-9768-4505-87ED-3AA2E6654DD2}" type="datetimeFigureOut">
               <a:rPr kumimoji="1" lang="ja-JP" altLang="en-US" smtClean="0"/>
-              <a:t>2024/4/22</a:t>
+              <a:t>2024/4/26</a:t>
             </a:fld>
             <a:endParaRPr kumimoji="1" lang="ja-JP" altLang="en-US"/>
           </a:p>
@@ -2294,7 +2294,7 @@
           <a:p>
             <a:fld id="{2EFDCDBA-9768-4505-87ED-3AA2E6654DD2}" type="datetimeFigureOut">
               <a:rPr kumimoji="1" lang="ja-JP" altLang="en-US" smtClean="0"/>
-              <a:t>2024/4/22</a:t>
+              <a:t>2024/4/26</a:t>
             </a:fld>
             <a:endParaRPr kumimoji="1" lang="ja-JP" altLang="en-US"/>
           </a:p>
@@ -2637,7 +2637,7 @@
           <a:p>
             <a:fld id="{2EFDCDBA-9768-4505-87ED-3AA2E6654DD2}" type="datetimeFigureOut">
               <a:rPr kumimoji="1" lang="ja-JP" altLang="en-US" smtClean="0"/>
-              <a:t>2024/4/22</a:t>
+              <a:t>2024/4/26</a:t>
             </a:fld>
             <a:endParaRPr kumimoji="1" lang="ja-JP" altLang="en-US"/>
           </a:p>
@@ -2925,7 +2925,7 @@
           <a:p>
             <a:fld id="{2EFDCDBA-9768-4505-87ED-3AA2E6654DD2}" type="datetimeFigureOut">
               <a:rPr kumimoji="1" lang="ja-JP" altLang="en-US" smtClean="0"/>
-              <a:t>2024/4/22</a:t>
+              <a:t>2024/4/26</a:t>
             </a:fld>
             <a:endParaRPr kumimoji="1" lang="ja-JP" altLang="en-US"/>
           </a:p>
@@ -3219,7 +3219,7 @@
           <a:p>
             <a:fld id="{2EFDCDBA-9768-4505-87ED-3AA2E6654DD2}" type="datetimeFigureOut">
               <a:rPr kumimoji="1" lang="ja-JP" altLang="en-US" smtClean="0"/>
-              <a:t>2024/4/22</a:t>
+              <a:t>2024/4/26</a:t>
             </a:fld>
             <a:endParaRPr kumimoji="1" lang="ja-JP" altLang="en-US"/>
           </a:p>
